--- a/Ivany-Presentatie.pptx
+++ b/Ivany-Presentatie.pptx
@@ -16,10 +16,9 @@
     <p:sldId id="264" r:id="rId10"/>
     <p:sldId id="265" r:id="rId11"/>
     <p:sldId id="266" r:id="rId12"/>
-    <p:sldId id="267" r:id="rId13"/>
-    <p:sldId id="268" r:id="rId14"/>
-    <p:sldId id="269" r:id="rId15"/>
-    <p:sldId id="270" r:id="rId16"/>
+    <p:sldId id="268" r:id="rId13"/>
+    <p:sldId id="269" r:id="rId14"/>
+    <p:sldId id="270" r:id="rId15"/>
   </p:sldIdLst>
   <p:sldSz cx="12192000" cy="6858000"/>
   <p:notesSz cx="6858000" cy="9144000"/>
@@ -425,7 +424,7 @@
             <a:fld id="{08B9EBBA-996F-894A-B54A-D6246ED52CEA}" type="datetimeFigureOut">
               <a:rPr lang="en-US" dirty="0"/>
               <a:pPr/>
-              <a:t>6/6/18</a:t>
+              <a:t>6/12/18</a:t>
             </a:fld>
             <a:endParaRPr lang="en-US" dirty="0"/>
           </a:p>
@@ -740,7 +739,7 @@
             <a:fld id="{18C79C5D-2A6F-F04D-97DA-BEF2467B64E4}" type="datetimeFigureOut">
               <a:rPr lang="en-US" dirty="0"/>
               <a:pPr/>
-              <a:t>6/6/18</a:t>
+              <a:t>6/12/18</a:t>
             </a:fld>
             <a:endParaRPr lang="en-US" dirty="0"/>
           </a:p>
@@ -1225,7 +1224,7 @@
             <a:fld id="{8DFA1846-DA80-1C48-A609-854EA85C59AD}" type="datetimeFigureOut">
               <a:rPr lang="en-US" dirty="0"/>
               <a:pPr/>
-              <a:t>6/6/18</a:t>
+              <a:t>6/12/18</a:t>
             </a:fld>
             <a:endParaRPr lang="en-US" dirty="0"/>
           </a:p>
@@ -1591,7 +1590,7 @@
             <a:fld id="{FBF54567-0DE4-3F47-BF90-CB84690072F9}" type="datetimeFigureOut">
               <a:rPr lang="en-US" dirty="0"/>
               <a:pPr/>
-              <a:t>6/6/18</a:t>
+              <a:t>6/12/18</a:t>
             </a:fld>
             <a:endParaRPr lang="en-US" dirty="0"/>
           </a:p>
@@ -1861,7 +1860,7 @@
             <a:fld id="{C6C52C72-DE31-F449-A4ED-4C594FD91407}" type="datetimeFigureOut">
               <a:rPr lang="en-US" dirty="0"/>
               <a:pPr/>
-              <a:t>6/6/18</a:t>
+              <a:t>6/12/18</a:t>
             </a:fld>
             <a:endParaRPr lang="en-US" dirty="0"/>
           </a:p>
@@ -2143,7 +2142,7 @@
             <a:fld id="{ED62726E-379B-B349-9EED-81ED093FA806}" type="datetimeFigureOut">
               <a:rPr lang="en-US" dirty="0"/>
               <a:pPr/>
-              <a:t>6/6/18</a:t>
+              <a:t>6/12/18</a:t>
             </a:fld>
             <a:endParaRPr lang="en-US" dirty="0"/>
           </a:p>
@@ -2423,7 +2422,7 @@
             <a:fld id="{9B3A1323-8D79-1946-B0D7-40001CF92E9D}" type="datetimeFigureOut">
               <a:rPr lang="en-US" dirty="0"/>
               <a:pPr/>
-              <a:t>6/6/18</a:t>
+              <a:t>6/12/18</a:t>
             </a:fld>
             <a:endParaRPr lang="en-US" dirty="0"/>
           </a:p>
@@ -2763,7 +2762,7 @@
             <a:fld id="{8DFA1846-DA80-1C48-A609-854EA85C59AD}" type="datetimeFigureOut">
               <a:rPr lang="en-US" dirty="0"/>
               <a:pPr/>
-              <a:t>6/6/18</a:t>
+              <a:t>6/12/18</a:t>
             </a:fld>
             <a:endParaRPr lang="en-US" dirty="0"/>
           </a:p>
@@ -3099,7 +3098,7 @@
             <a:fld id="{57302355-E14B-8545-A8F8-0FE83CC9D524}" type="datetimeFigureOut">
               <a:rPr lang="en-US" dirty="0"/>
               <a:pPr/>
-              <a:t>6/6/18</a:t>
+              <a:t>6/12/18</a:t>
             </a:fld>
             <a:endParaRPr lang="en-US" dirty="0"/>
           </a:p>
@@ -3573,7 +3572,7 @@
             <a:fld id="{02640F58-564D-2B4F-AE67-E407BA4FCF45}" type="datetimeFigureOut">
               <a:rPr lang="en-US" dirty="0"/>
               <a:pPr/>
-              <a:t>6/6/18</a:t>
+              <a:t>6/12/18</a:t>
             </a:fld>
             <a:endParaRPr lang="en-US" dirty="0"/>
           </a:p>
@@ -3791,7 +3790,7 @@
             <a:fld id="{F13A34C8-038E-2045-AF43-DF7DBB8E0E9E}" type="datetimeFigureOut">
               <a:rPr lang="en-US" dirty="0"/>
               <a:pPr/>
-              <a:t>6/6/18</a:t>
+              <a:t>6/12/18</a:t>
             </a:fld>
             <a:endParaRPr lang="en-US" dirty="0"/>
           </a:p>
@@ -3883,7 +3882,7 @@
             <a:fld id="{8818C68F-D26B-8F47-958C-23B49CF8A634}" type="datetimeFigureOut">
               <a:rPr lang="en-US" dirty="0"/>
               <a:pPr/>
-              <a:t>6/6/18</a:t>
+              <a:t>6/12/18</a:t>
             </a:fld>
             <a:endParaRPr lang="en-US" dirty="0"/>
           </a:p>
@@ -4347,7 +4346,7 @@
             <a:fld id="{D0DF5E60-9974-AC48-9591-99C2BB44B7CF}" type="datetimeFigureOut">
               <a:rPr lang="en-US" dirty="0"/>
               <a:pPr/>
-              <a:t>6/6/18</a:t>
+              <a:t>6/12/18</a:t>
             </a:fld>
             <a:endParaRPr lang="en-US" dirty="0"/>
           </a:p>
@@ -4657,7 +4656,7 @@
             <a:fld id="{18C79C5D-2A6F-F04D-97DA-BEF2467B64E4}" type="datetimeFigureOut">
               <a:rPr lang="en-US" dirty="0"/>
               <a:pPr/>
-              <a:t>6/6/18</a:t>
+              <a:t>6/12/18</a:t>
             </a:fld>
             <a:endParaRPr lang="en-US" dirty="0"/>
           </a:p>
@@ -4924,7 +4923,7 @@
             <a:fld id="{09B482E8-6E0E-1B4F-B1FD-C69DB9E858D9}" type="datetimeFigureOut">
               <a:rPr lang="en-US" dirty="0"/>
               <a:pPr/>
-              <a:t>6/6/18</a:t>
+              <a:t>6/12/18</a:t>
             </a:fld>
             <a:endParaRPr lang="en-US" dirty="0"/>
           </a:p>
@@ -5786,7 +5785,7 @@
           <a:p>
             <a:r>
               <a:rPr lang="nl-NL" dirty="0"/>
-              <a:t>Website</a:t>
+              <a:t>Website &amp; Game</a:t>
             </a:r>
           </a:p>
         </p:txBody>
@@ -5844,7 +5843,7 @@
           <a:p>
             <a:r>
               <a:rPr lang="nl-NL" dirty="0"/>
-              <a:t>Demo</a:t>
+              <a:t>Conclusie</a:t>
             </a:r>
           </a:p>
         </p:txBody>
@@ -5870,17 +5869,14 @@
           <a:bodyPr/>
           <a:lstStyle/>
           <a:p>
-            <a:r>
-              <a:rPr lang="nl-NL" dirty="0"/>
-              <a:t>Game</a:t>
-            </a:r>
+            <a:endParaRPr lang="nl-NL" dirty="0"/>
           </a:p>
         </p:txBody>
       </p:sp>
     </p:spTree>
     <p:extLst>
       <p:ext uri="{BB962C8B-B14F-4D97-AF65-F5344CB8AC3E}">
-        <p14:creationId xmlns:p14="http://schemas.microsoft.com/office/powerpoint/2010/main" val="231887166"/>
+        <p14:creationId xmlns:p14="http://schemas.microsoft.com/office/powerpoint/2010/main" val="2995451161"/>
       </p:ext>
     </p:extLst>
   </p:cSld>
@@ -5912,89 +5908,6 @@
           <p:cNvPr id="2" name="Title 1">
             <a:extLst>
               <a:ext uri="{FF2B5EF4-FFF2-40B4-BE49-F238E27FC236}">
-                <a16:creationId xmlns:a16="http://schemas.microsoft.com/office/drawing/2014/main" id="{F5DD0BAA-7A5D-CB43-B600-16C979BAD146}"/>
-              </a:ext>
-            </a:extLst>
-          </p:cNvPr>
-          <p:cNvSpPr>
-            <a:spLocks noGrp="1"/>
-          </p:cNvSpPr>
-          <p:nvPr>
-            <p:ph type="ctrTitle"/>
-          </p:nvPr>
-        </p:nvSpPr>
-        <p:spPr/>
-        <p:txBody>
-          <a:bodyPr/>
-          <a:lstStyle/>
-          <a:p>
-            <a:r>
-              <a:rPr lang="nl-NL" dirty="0"/>
-              <a:t>Conclusie</a:t>
-            </a:r>
-          </a:p>
-        </p:txBody>
-      </p:sp>
-      <p:sp>
-        <p:nvSpPr>
-          <p:cNvPr id="3" name="Subtitle 2">
-            <a:extLst>
-              <a:ext uri="{FF2B5EF4-FFF2-40B4-BE49-F238E27FC236}">
-                <a16:creationId xmlns:a16="http://schemas.microsoft.com/office/drawing/2014/main" id="{6944BBD6-5130-634B-A3A6-A7274313A976}"/>
-              </a:ext>
-            </a:extLst>
-          </p:cNvPr>
-          <p:cNvSpPr>
-            <a:spLocks noGrp="1"/>
-          </p:cNvSpPr>
-          <p:nvPr>
-            <p:ph type="subTitle" idx="1"/>
-          </p:nvPr>
-        </p:nvSpPr>
-        <p:spPr/>
-        <p:txBody>
-          <a:bodyPr/>
-          <a:lstStyle/>
-          <a:p>
-            <a:endParaRPr lang="nl-NL" dirty="0"/>
-          </a:p>
-        </p:txBody>
-      </p:sp>
-    </p:spTree>
-    <p:extLst>
-      <p:ext uri="{BB962C8B-B14F-4D97-AF65-F5344CB8AC3E}">
-        <p14:creationId xmlns:p14="http://schemas.microsoft.com/office/powerpoint/2010/main" val="2995451161"/>
-      </p:ext>
-    </p:extLst>
-  </p:cSld>
-  <p:clrMapOvr>
-    <a:masterClrMapping/>
-  </p:clrMapOvr>
-</p:sld>
-</file>
-
-<file path=ppt/slides/slide14.xml><?xml version="1.0" encoding="utf-8"?>
-<p:sld xmlns:a="http://schemas.openxmlformats.org/drawingml/2006/main" xmlns:r="http://schemas.openxmlformats.org/officeDocument/2006/relationships" xmlns:p="http://schemas.openxmlformats.org/presentationml/2006/main">
-  <p:cSld>
-    <p:spTree>
-      <p:nvGrpSpPr>
-        <p:cNvPr id="1" name=""/>
-        <p:cNvGrpSpPr/>
-        <p:nvPr/>
-      </p:nvGrpSpPr>
-      <p:grpSpPr>
-        <a:xfrm>
-          <a:off x="0" y="0"/>
-          <a:ext cx="0" cy="0"/>
-          <a:chOff x="0" y="0"/>
-          <a:chExt cx="0" cy="0"/>
-        </a:xfrm>
-      </p:grpSpPr>
-      <p:sp>
-        <p:nvSpPr>
-          <p:cNvPr id="2" name="Title 1">
-            <a:extLst>
-              <a:ext uri="{FF2B5EF4-FFF2-40B4-BE49-F238E27FC236}">
                 <a16:creationId xmlns:a16="http://schemas.microsoft.com/office/drawing/2014/main" id="{0AB6DBFE-07FE-1D42-8888-049B25919236}"/>
               </a:ext>
             </a:extLst>
@@ -6283,7 +6196,7 @@
 </p:sld>
 </file>
 
-<file path=ppt/slides/slide15.xml><?xml version="1.0" encoding="utf-8"?>
+<file path=ppt/slides/slide14.xml><?xml version="1.0" encoding="utf-8"?>
 <p:sld xmlns:a="http://schemas.openxmlformats.org/drawingml/2006/main" xmlns:r="http://schemas.openxmlformats.org/officeDocument/2006/relationships" xmlns:p="http://schemas.openxmlformats.org/presentationml/2006/main">
   <p:cSld>
     <p:spTree>

--- a/Ivany-Presentatie.pptx
+++ b/Ivany-Presentatie.pptx
@@ -15,10 +15,11 @@
     <p:sldId id="263" r:id="rId9"/>
     <p:sldId id="264" r:id="rId10"/>
     <p:sldId id="265" r:id="rId11"/>
-    <p:sldId id="266" r:id="rId12"/>
-    <p:sldId id="268" r:id="rId13"/>
-    <p:sldId id="269" r:id="rId14"/>
-    <p:sldId id="270" r:id="rId15"/>
+    <p:sldId id="271" r:id="rId12"/>
+    <p:sldId id="266" r:id="rId13"/>
+    <p:sldId id="268" r:id="rId14"/>
+    <p:sldId id="269" r:id="rId15"/>
+    <p:sldId id="270" r:id="rId16"/>
   </p:sldIdLst>
   <p:sldSz cx="12192000" cy="6858000"/>
   <p:notesSz cx="6858000" cy="9144000"/>
@@ -5610,7 +5611,7 @@
         <p:spPr>
           <a:xfrm>
             <a:off x="810001" y="2669628"/>
-            <a:ext cx="6883572" cy="2585323"/>
+            <a:ext cx="6883572" cy="1754326"/>
           </a:xfrm>
           <a:prstGeom prst="rect">
             <a:avLst/>
@@ -5629,7 +5630,7 @@
             </a:pPr>
             <a:r>
               <a:rPr lang="nl-NL" dirty="0"/>
-              <a:t>Seksuele intimidatie bij jongeren</a:t>
+              <a:t>Game</a:t>
             </a:r>
           </a:p>
           <a:p>
@@ -5640,60 +5641,31 @@
             <a:endParaRPr lang="nl-NL" dirty="0"/>
           </a:p>
           <a:p>
-            <a:pPr marL="285750" indent="-285750">
+            <a:pPr marL="742950" lvl="1" indent="-285750">
               <a:buFontTx/>
               <a:buChar char="-"/>
             </a:pPr>
             <a:r>
               <a:rPr lang="nl-NL" dirty="0"/>
-              <a:t>Opdracht voor echte klant</a:t>
-            </a:r>
-          </a:p>
-          <a:p>
-            <a:pPr marL="285750" indent="-285750">
+              <a:t>Doel</a:t>
+            </a:r>
+          </a:p>
+          <a:p>
+            <a:pPr marL="742950" lvl="1" indent="-285750">
               <a:buFontTx/>
               <a:buChar char="-"/>
             </a:pPr>
             <a:endParaRPr lang="nl-NL" dirty="0"/>
           </a:p>
           <a:p>
-            <a:pPr marL="285750" indent="-285750">
+            <a:pPr marL="742950" lvl="1" indent="-285750">
               <a:buFontTx/>
               <a:buChar char="-"/>
             </a:pPr>
             <a:r>
               <a:rPr lang="nl-NL" dirty="0"/>
-              <a:t>Informeren, </a:t>
-            </a:r>
-            <a:r>
-              <a:rPr lang="nl-NL"/>
-              <a:t>confronteren en activeren</a:t>
-            </a:r>
-            <a:endParaRPr lang="nl-NL" dirty="0"/>
-          </a:p>
-          <a:p>
-            <a:pPr marL="285750" indent="-285750">
-              <a:buFontTx/>
-              <a:buChar char="-"/>
-            </a:pPr>
-            <a:endParaRPr lang="nl-NL" dirty="0"/>
-          </a:p>
-          <a:p>
-            <a:pPr marL="285750" indent="-285750">
-              <a:buFontTx/>
-              <a:buChar char="-"/>
-            </a:pPr>
-            <a:r>
-              <a:rPr lang="nl-NL" dirty="0"/>
-              <a:t>Sobere, pakkende sfeer overbrengen</a:t>
-            </a:r>
-          </a:p>
-          <a:p>
-            <a:pPr marL="285750" indent="-285750">
-              <a:buFontTx/>
-              <a:buChar char="-"/>
-            </a:pPr>
-            <a:endParaRPr lang="nl-NL" dirty="0"/>
+              <a:t>Verhaal</a:t>
+            </a:r>
           </a:p>
           <a:p>
             <a:pPr marL="285750" indent="-285750">
@@ -5739,7 +5711,7 @@
           <p:cNvPr id="2" name="Title 1">
             <a:extLst>
               <a:ext uri="{FF2B5EF4-FFF2-40B4-BE49-F238E27FC236}">
-                <a16:creationId xmlns:a16="http://schemas.microsoft.com/office/drawing/2014/main" id="{F5DD0BAA-7A5D-CB43-B600-16C979BAD146}"/>
+                <a16:creationId xmlns:a16="http://schemas.microsoft.com/office/drawing/2014/main" id="{0AB6DBFE-07FE-1D42-8888-049B25919236}"/>
               </a:ext>
             </a:extLst>
           </p:cNvPr>
@@ -5747,7 +5719,7 @@
             <a:spLocks noGrp="1"/>
           </p:cNvSpPr>
           <p:nvPr>
-            <p:ph type="ctrTitle"/>
+            <p:ph type="title"/>
           </p:nvPr>
         </p:nvSpPr>
         <p:spPr/>
@@ -5757,43 +5729,112 @@
           <a:p>
             <a:r>
               <a:rPr lang="nl-NL" dirty="0"/>
-              <a:t>Demo</a:t>
-            </a:r>
-          </a:p>
-        </p:txBody>
-      </p:sp>
-      <p:sp>
-        <p:nvSpPr>
-          <p:cNvPr id="3" name="Subtitle 2">
+              <a:t>Kader van ons project</a:t>
+            </a:r>
+          </a:p>
+        </p:txBody>
+      </p:sp>
+      <p:sp>
+        <p:nvSpPr>
+          <p:cNvPr id="3" name="TextBox 2">
             <a:extLst>
               <a:ext uri="{FF2B5EF4-FFF2-40B4-BE49-F238E27FC236}">
-                <a16:creationId xmlns:a16="http://schemas.microsoft.com/office/drawing/2014/main" id="{6944BBD6-5130-634B-A3A6-A7274313A976}"/>
+                <a16:creationId xmlns:a16="http://schemas.microsoft.com/office/drawing/2014/main" id="{8C5BAAE9-2ECD-F244-A3D3-F07C9FF74A64}"/>
               </a:ext>
             </a:extLst>
           </p:cNvPr>
-          <p:cNvSpPr>
-            <a:spLocks noGrp="1"/>
-          </p:cNvSpPr>
-          <p:nvPr>
-            <p:ph type="subTitle" idx="1"/>
-          </p:nvPr>
-        </p:nvSpPr>
-        <p:spPr/>
-        <p:txBody>
-          <a:bodyPr/>
-          <a:lstStyle/>
-          <a:p>
+          <p:cNvSpPr txBox="1"/>
+          <p:nvPr/>
+        </p:nvSpPr>
+        <p:spPr>
+          <a:xfrm>
+            <a:off x="810001" y="2669628"/>
+            <a:ext cx="6883572" cy="2308324"/>
+          </a:xfrm>
+          <a:prstGeom prst="rect">
+            <a:avLst/>
+          </a:prstGeom>
+          <a:noFill/>
+        </p:spPr>
+        <p:txBody>
+          <a:bodyPr wrap="square" rtlCol="0">
+            <a:spAutoFit/>
+          </a:bodyPr>
+          <a:lstStyle/>
+          <a:p>
+            <a:pPr marL="285750" indent="-285750">
+              <a:buFontTx/>
+              <a:buChar char="-"/>
+            </a:pPr>
             <a:r>
               <a:rPr lang="nl-NL" dirty="0"/>
-              <a:t>Website &amp; Game</a:t>
-            </a:r>
+              <a:t>Website</a:t>
+            </a:r>
+          </a:p>
+          <a:p>
+            <a:pPr marL="285750" indent="-285750">
+              <a:buFontTx/>
+              <a:buChar char="-"/>
+            </a:pPr>
+            <a:endParaRPr lang="nl-NL" dirty="0"/>
+          </a:p>
+          <a:p>
+            <a:pPr marL="742950" lvl="1" indent="-285750">
+              <a:buFontTx/>
+              <a:buChar char="-"/>
+            </a:pPr>
+            <a:r>
+              <a:rPr lang="nl-NL" dirty="0"/>
+              <a:t>Doel</a:t>
+            </a:r>
+          </a:p>
+          <a:p>
+            <a:pPr marL="742950" lvl="1" indent="-285750">
+              <a:buFontTx/>
+              <a:buChar char="-"/>
+            </a:pPr>
+            <a:endParaRPr lang="nl-NL" dirty="0"/>
+          </a:p>
+          <a:p>
+            <a:pPr marL="742950" lvl="1" indent="-285750">
+              <a:buFontTx/>
+              <a:buChar char="-"/>
+            </a:pPr>
+            <a:r>
+              <a:rPr lang="nl-NL" dirty="0"/>
+              <a:t>Functionaliteiten</a:t>
+            </a:r>
+          </a:p>
+          <a:p>
+            <a:pPr marL="742950" lvl="1" indent="-285750">
+              <a:buFontTx/>
+              <a:buChar char="-"/>
+            </a:pPr>
+            <a:endParaRPr lang="nl-NL" dirty="0"/>
+          </a:p>
+          <a:p>
+            <a:pPr marL="742950" lvl="1" indent="-285750">
+              <a:buFontTx/>
+              <a:buChar char="-"/>
+            </a:pPr>
+            <a:r>
+              <a:rPr lang="nl-NL" dirty="0"/>
+              <a:t>Styling</a:t>
+            </a:r>
+          </a:p>
+          <a:p>
+            <a:pPr marL="285750" indent="-285750">
+              <a:buFontTx/>
+              <a:buChar char="-"/>
+            </a:pPr>
+            <a:endParaRPr lang="nl-NL" dirty="0"/>
           </a:p>
         </p:txBody>
       </p:sp>
     </p:spTree>
     <p:extLst>
       <p:ext uri="{BB962C8B-B14F-4D97-AF65-F5344CB8AC3E}">
-        <p14:creationId xmlns:p14="http://schemas.microsoft.com/office/powerpoint/2010/main" val="1159704156"/>
+        <p14:creationId xmlns:p14="http://schemas.microsoft.com/office/powerpoint/2010/main" val="882901276"/>
       </p:ext>
     </p:extLst>
   </p:cSld>
@@ -5843,7 +5884,7 @@
           <a:p>
             <a:r>
               <a:rPr lang="nl-NL" dirty="0"/>
-              <a:t>Conclusie</a:t>
+              <a:t>Demo</a:t>
             </a:r>
           </a:p>
         </p:txBody>
@@ -5869,14 +5910,17 @@
           <a:bodyPr/>
           <a:lstStyle/>
           <a:p>
-            <a:endParaRPr lang="nl-NL" dirty="0"/>
+            <a:r>
+              <a:rPr lang="nl-NL" dirty="0"/>
+              <a:t>Website &amp; Game</a:t>
+            </a:r>
           </a:p>
         </p:txBody>
       </p:sp>
     </p:spTree>
     <p:extLst>
       <p:ext uri="{BB962C8B-B14F-4D97-AF65-F5344CB8AC3E}">
-        <p14:creationId xmlns:p14="http://schemas.microsoft.com/office/powerpoint/2010/main" val="2995451161"/>
+        <p14:creationId xmlns:p14="http://schemas.microsoft.com/office/powerpoint/2010/main" val="1159704156"/>
       </p:ext>
     </p:extLst>
   </p:cSld>
@@ -5908,6 +5952,89 @@
           <p:cNvPr id="2" name="Title 1">
             <a:extLst>
               <a:ext uri="{FF2B5EF4-FFF2-40B4-BE49-F238E27FC236}">
+                <a16:creationId xmlns:a16="http://schemas.microsoft.com/office/drawing/2014/main" id="{F5DD0BAA-7A5D-CB43-B600-16C979BAD146}"/>
+              </a:ext>
+            </a:extLst>
+          </p:cNvPr>
+          <p:cNvSpPr>
+            <a:spLocks noGrp="1"/>
+          </p:cNvSpPr>
+          <p:nvPr>
+            <p:ph type="ctrTitle"/>
+          </p:nvPr>
+        </p:nvSpPr>
+        <p:spPr/>
+        <p:txBody>
+          <a:bodyPr/>
+          <a:lstStyle/>
+          <a:p>
+            <a:r>
+              <a:rPr lang="nl-NL" dirty="0"/>
+              <a:t>Conclusie</a:t>
+            </a:r>
+          </a:p>
+        </p:txBody>
+      </p:sp>
+      <p:sp>
+        <p:nvSpPr>
+          <p:cNvPr id="3" name="Subtitle 2">
+            <a:extLst>
+              <a:ext uri="{FF2B5EF4-FFF2-40B4-BE49-F238E27FC236}">
+                <a16:creationId xmlns:a16="http://schemas.microsoft.com/office/drawing/2014/main" id="{6944BBD6-5130-634B-A3A6-A7274313A976}"/>
+              </a:ext>
+            </a:extLst>
+          </p:cNvPr>
+          <p:cNvSpPr>
+            <a:spLocks noGrp="1"/>
+          </p:cNvSpPr>
+          <p:nvPr>
+            <p:ph type="subTitle" idx="1"/>
+          </p:nvPr>
+        </p:nvSpPr>
+        <p:spPr/>
+        <p:txBody>
+          <a:bodyPr/>
+          <a:lstStyle/>
+          <a:p>
+            <a:endParaRPr lang="nl-NL" dirty="0"/>
+          </a:p>
+        </p:txBody>
+      </p:sp>
+    </p:spTree>
+    <p:extLst>
+      <p:ext uri="{BB962C8B-B14F-4D97-AF65-F5344CB8AC3E}">
+        <p14:creationId xmlns:p14="http://schemas.microsoft.com/office/powerpoint/2010/main" val="2995451161"/>
+      </p:ext>
+    </p:extLst>
+  </p:cSld>
+  <p:clrMapOvr>
+    <a:masterClrMapping/>
+  </p:clrMapOvr>
+</p:sld>
+</file>
+
+<file path=ppt/slides/slide14.xml><?xml version="1.0" encoding="utf-8"?>
+<p:sld xmlns:a="http://schemas.openxmlformats.org/drawingml/2006/main" xmlns:r="http://schemas.openxmlformats.org/officeDocument/2006/relationships" xmlns:p="http://schemas.openxmlformats.org/presentationml/2006/main">
+  <p:cSld>
+    <p:spTree>
+      <p:nvGrpSpPr>
+        <p:cNvPr id="1" name=""/>
+        <p:cNvGrpSpPr/>
+        <p:nvPr/>
+      </p:nvGrpSpPr>
+      <p:grpSpPr>
+        <a:xfrm>
+          <a:off x="0" y="0"/>
+          <a:ext cx="0" cy="0"/>
+          <a:chOff x="0" y="0"/>
+          <a:chExt cx="0" cy="0"/>
+        </a:xfrm>
+      </p:grpSpPr>
+      <p:sp>
+        <p:nvSpPr>
+          <p:cNvPr id="2" name="Title 1">
+            <a:extLst>
+              <a:ext uri="{FF2B5EF4-FFF2-40B4-BE49-F238E27FC236}">
                 <a16:creationId xmlns:a16="http://schemas.microsoft.com/office/drawing/2014/main" id="{0AB6DBFE-07FE-1D42-8888-049B25919236}"/>
               </a:ext>
             </a:extLst>
@@ -6131,8 +6258,8 @@
               <a:buChar char="+"/>
             </a:pPr>
             <a:r>
-              <a:rPr lang="nl-NL" dirty="0"/>
-              <a:t>Peer </a:t>
+              <a:rPr lang="nl-NL"/>
+              <a:t>Pair </a:t>
             </a:r>
             <a:r>
               <a:rPr lang="nl-NL" dirty="0" err="1"/>
@@ -6196,7 +6323,7 @@
 </p:sld>
 </file>
 
-<file path=ppt/slides/slide14.xml><?xml version="1.0" encoding="utf-8"?>
+<file path=ppt/slides/slide15.xml><?xml version="1.0" encoding="utf-8"?>
 <p:sld xmlns:a="http://schemas.openxmlformats.org/drawingml/2006/main" xmlns:r="http://schemas.openxmlformats.org/officeDocument/2006/relationships" xmlns:p="http://schemas.openxmlformats.org/presentationml/2006/main">
   <p:cSld>
     <p:spTree>
@@ -7691,7 +7818,7 @@
     </a:clrScheme>
     <a:fontScheme name="Calibri">
       <a:majorFont>
-        <a:latin typeface="Calibri" panose="020F0502020204030204"/>
+        <a:latin typeface="Calibri"/>
         <a:ea typeface=""/>
         <a:cs typeface=""/>
         <a:font script="Jpan" typeface="メイリオ"/>
@@ -7726,7 +7853,7 @@
         <a:font script="Geor" typeface="Sylfaen"/>
       </a:majorFont>
       <a:minorFont>
-        <a:latin typeface="Calibri" panose="020F0502020204030204"/>
+        <a:latin typeface="Calibri"/>
         <a:ea typeface=""/>
         <a:cs typeface=""/>
         <a:font script="Jpan" typeface="メイリオ"/>
